--- a/2022秋季-计算机基础与程序设计-操作系统层-计算机网络-补充-链表.pptx
+++ b/2022秋季-计算机基础与程序设计-操作系统层-计算机网络-补充-链表.pptx
@@ -184,7 +184,7 @@
       </a:defRPr>
     </a:lvl9pPr>
   </p:defaultTextStyle>
-  <p:modifyVerifier cryptProviderType="rsaFull" cryptAlgorithmClass="hash" cryptAlgorithmType="typeAny" cryptAlgorithmSid="4" spinCount="100000" saltData="cbF2tezfumrikXPK7vJhUA==" hashData="90Pgg3CRI3pPPTYVnvDpXPSVLqk="/>
+  <p:modifyVerifier cryptProviderType="rsaFull" cryptAlgorithmClass="hash" cryptAlgorithmType="typeAny" cryptAlgorithmSid="4" spinCount="100000" saltData="nlLtfU45c05b5IqJpsuErw==" hashData="Sl2n13Eid1axxvHrmee//nGpRR8="/>
 </p:presentation>
 </file>
 
@@ -1220,6 +1220,8 @@
               </a:defRPr>
             </a:lvl1pPr>
             <a:lvl2pPr>
+              <a:buFont typeface="Wingdings" panose="05000000000000000000" charset="0"/>
+              <a:buChar char=""/>
               <a:defRPr sz="2400" u="none" strike="noStrike" kern="1200" cap="none" spc="0" normalizeH="0">
                 <a:solidFill>
                   <a:schemeClr val="tx1">
@@ -1233,6 +1235,8 @@
               </a:defRPr>
             </a:lvl2pPr>
             <a:lvl3pPr>
+              <a:buFont typeface="Wingdings" panose="05000000000000000000" charset="0"/>
+              <a:buChar char=""/>
               <a:defRPr sz="2000" u="none" strike="noStrike" kern="1200" cap="none" spc="0" normalizeH="0">
                 <a:solidFill>
                   <a:schemeClr val="tx1">
@@ -1246,6 +1250,8 @@
               </a:defRPr>
             </a:lvl3pPr>
             <a:lvl4pPr>
+              <a:buFont typeface="Wingdings" panose="05000000000000000000" charset="0"/>
+              <a:buChar char=""/>
               <a:defRPr sz="1800" u="none" strike="noStrike" kern="1200" cap="none" spc="0" normalizeH="0">
                 <a:solidFill>
                   <a:schemeClr val="tx1">
@@ -1259,6 +1265,8 @@
               </a:defRPr>
             </a:lvl4pPr>
             <a:lvl5pPr>
+              <a:buFont typeface="Wingdings" panose="05000000000000000000" charset="0"/>
+              <a:buChar char=""/>
               <a:defRPr sz="1800" u="none" strike="noStrike" kern="1200" cap="none" spc="0" normalizeH="0">
                 <a:solidFill>
                   <a:schemeClr val="tx1">
@@ -8407,6 +8415,38 @@
               <a:rPr lang="zh-CN" altLang="en-US"/>
               <a:t>阅读：Linux 的文件权限与目录配置.html</a:t>
             </a:r>
+            <a:endParaRPr lang="zh-CN" altLang="en-US"/>
+          </a:p>
+          <a:p>
+            <a:pPr lvl="1"/>
+            <a:r>
+              <a:rPr lang="en-US" altLang="zh-CN"/>
+              <a:t>Linux文件属性</a:t>
+            </a:r>
+            <a:endParaRPr lang="en-US" altLang="zh-CN"/>
+          </a:p>
+          <a:p>
+            <a:pPr lvl="1"/>
+            <a:r>
+              <a:rPr lang="en-US" altLang="zh-CN"/>
+              <a:t>改变权限</a:t>
+            </a:r>
+            <a:r>
+              <a:rPr lang="zh-CN" altLang="en-US"/>
+              <a:t>：</a:t>
+            </a:r>
+            <a:r>
+              <a:rPr lang="en-US" altLang="zh-CN"/>
+              <a:t>chmod</a:t>
+            </a:r>
+            <a:endParaRPr lang="en-US" altLang="zh-CN"/>
+          </a:p>
+          <a:p>
+            <a:pPr lvl="1"/>
+            <a:r>
+              <a:rPr lang="en-US" altLang="zh-CN"/>
+              <a:t>目录与文件之权限意义</a:t>
+            </a:r>
             <a:endParaRPr lang="en-US" altLang="zh-CN"/>
           </a:p>
         </p:txBody>
@@ -8863,7 +8903,7 @@
             <a:pPr lvl="1"/>
             <a:r>
               <a:rPr lang="zh-CN" altLang="en-US"/>
-              <a:t>打印机</a:t>
+              <a:t>例如，打印机</a:t>
             </a:r>
             <a:endParaRPr lang="zh-CN" altLang="en-US"/>
           </a:p>
